--- a/0_Ramp_Up/documentos/Data Science - Ramp Up - Contenidos.pptx
+++ b/0_Ramp_Up/documentos/Data Science - Ramp Up - Contenidos.pptx
@@ -219,7 +219,7 @@
           <a:p>
             <a:fld id="{E2E1EB10-6A21-440E-BF2D-F14C49559F2A}" type="datetimeFigureOut">
               <a:rPr lang="es-ES" smtClean="0"/>
-              <a:t>18/06/2020</a:t>
+              <a:t>11/07/2020</a:t>
             </a:fld>
             <a:endParaRPr lang="es-ES"/>
           </a:p>
@@ -403,7 +403,7 @@
           <a:p>
             <a:fld id="{6030B40B-5C5C-408D-8E71-442557AE69BE}" type="datetimeFigureOut">
               <a:rPr lang="es-ES" smtClean="0"/>
-              <a:t>18/06/2020</a:t>
+              <a:t>11/07/2020</a:t>
             </a:fld>
             <a:endParaRPr lang="es-ES"/>
           </a:p>
@@ -805,7 +805,7 @@
           <a:p>
             <a:fld id="{5B772F0D-A02A-4702-8780-0B9BEC7A8699}" type="datetime1">
               <a:rPr lang="es-ES" smtClean="0"/>
-              <a:t>18/06/2020</a:t>
+              <a:t>11/07/2020</a:t>
             </a:fld>
             <a:endParaRPr lang="es-ES"/>
           </a:p>
@@ -978,7 +978,7 @@
           <a:p>
             <a:fld id="{B7089A12-8DCA-43F2-8141-5440FE76067E}" type="datetime1">
               <a:rPr lang="es-ES" smtClean="0"/>
-              <a:t>18/06/2020</a:t>
+              <a:t>11/07/2020</a:t>
             </a:fld>
             <a:endParaRPr lang="es-ES"/>
           </a:p>
@@ -1161,7 +1161,7 @@
           <a:p>
             <a:fld id="{1ECAA92C-77A8-40E9-B836-7A7337601971}" type="datetime1">
               <a:rPr lang="es-ES" smtClean="0"/>
-              <a:t>18/06/2020</a:t>
+              <a:t>11/07/2020</a:t>
             </a:fld>
             <a:endParaRPr lang="es-ES"/>
           </a:p>
@@ -1334,7 +1334,7 @@
           <a:p>
             <a:fld id="{76C3C7A2-BAD2-4CA0-B88A-B6452E90DFBC}" type="datetime1">
               <a:rPr lang="es-ES" smtClean="0"/>
-              <a:t>18/06/2020</a:t>
+              <a:t>11/07/2020</a:t>
             </a:fld>
             <a:endParaRPr lang="es-ES"/>
           </a:p>
@@ -1583,7 +1583,7 @@
           <a:p>
             <a:fld id="{ECA9CF60-F39A-43C0-966A-9235067209B8}" type="datetime1">
               <a:rPr lang="es-ES" smtClean="0"/>
-              <a:t>18/06/2020</a:t>
+              <a:t>11/07/2020</a:t>
             </a:fld>
             <a:endParaRPr lang="es-ES"/>
           </a:p>
@@ -1818,7 +1818,7 @@
           <a:p>
             <a:fld id="{4956C9BF-599C-46EE-897D-D3B566742584}" type="datetime1">
               <a:rPr lang="es-ES" smtClean="0"/>
-              <a:t>18/06/2020</a:t>
+              <a:t>11/07/2020</a:t>
             </a:fld>
             <a:endParaRPr lang="es-ES"/>
           </a:p>
@@ -2188,7 +2188,7 @@
           <a:p>
             <a:fld id="{95FE9576-1C9C-4DA4-A00A-9DD8D8245248}" type="datetime1">
               <a:rPr lang="es-ES" smtClean="0"/>
-              <a:t>18/06/2020</a:t>
+              <a:t>11/07/2020</a:t>
             </a:fld>
             <a:endParaRPr lang="es-ES"/>
           </a:p>
@@ -2309,7 +2309,7 @@
           <a:p>
             <a:fld id="{A25E806F-9BD2-4ABB-A643-CD5EC8F2EFC5}" type="datetime1">
               <a:rPr lang="es-ES" smtClean="0"/>
-              <a:t>18/06/2020</a:t>
+              <a:t>11/07/2020</a:t>
             </a:fld>
             <a:endParaRPr lang="es-ES"/>
           </a:p>
@@ -2407,7 +2407,7 @@
           <a:p>
             <a:fld id="{44D58291-17CD-4DFA-B627-8197516A579F}" type="datetime1">
               <a:rPr lang="es-ES" smtClean="0"/>
-              <a:t>18/06/2020</a:t>
+              <a:t>11/07/2020</a:t>
             </a:fld>
             <a:endParaRPr lang="es-ES"/>
           </a:p>
@@ -2687,7 +2687,7 @@
           <a:p>
             <a:fld id="{CE47F85A-B433-4D20-98A1-4063FF1FEBAE}" type="datetime1">
               <a:rPr lang="es-ES" smtClean="0"/>
-              <a:t>18/06/2020</a:t>
+              <a:t>11/07/2020</a:t>
             </a:fld>
             <a:endParaRPr lang="es-ES"/>
           </a:p>
@@ -2947,7 +2947,7 @@
           <a:p>
             <a:fld id="{88FF7EC7-7A16-44B9-9DAF-6069C283BDDE}" type="datetime1">
               <a:rPr lang="es-ES" smtClean="0"/>
-              <a:t>18/06/2020</a:t>
+              <a:t>11/07/2020</a:t>
             </a:fld>
             <a:endParaRPr lang="es-ES"/>
           </a:p>
@@ -3163,7 +3163,7 @@
           <a:p>
             <a:fld id="{1FF7DE26-E335-45E6-BFEF-90CB33A4197F}" type="datetime1">
               <a:rPr lang="es-ES" smtClean="0"/>
-              <a:t>18/06/2020</a:t>
+              <a:t>11/07/2020</a:t>
             </a:fld>
             <a:endParaRPr lang="es-ES"/>
           </a:p>
@@ -3928,8 +3928,8 @@
         </p:nvSpPr>
         <p:spPr>
           <a:xfrm>
-            <a:off x="2272144" y="655782"/>
-            <a:ext cx="6854101" cy="5262979"/>
+            <a:off x="2272145" y="655781"/>
+            <a:ext cx="4488252" cy="4801314"/>
           </a:xfrm>
           <a:prstGeom prst="rect">
             <a:avLst/>
@@ -3947,7 +3947,7 @@
               <a:buAutoNum type="arabicPeriod"/>
             </a:pPr>
             <a:r>
-              <a:rPr lang="es-ES" sz="1600" dirty="0"/>
+              <a:rPr lang="es-ES" dirty="0"/>
               <a:t>Semana 1</a:t>
             </a:r>
           </a:p>
@@ -3957,22 +3957,22 @@
               <a:buChar char="•"/>
             </a:pPr>
             <a:r>
-              <a:rPr lang="es-ES" sz="1600" dirty="0"/>
+              <a:rPr lang="es-ES" dirty="0"/>
               <a:t>Instalación de Anaconda y </a:t>
             </a:r>
             <a:r>
-              <a:rPr lang="es-ES" sz="1600" dirty="0" err="1"/>
+              <a:rPr lang="es-ES" dirty="0" err="1"/>
               <a:t>Jupyter</a:t>
             </a:r>
             <a:r>
-              <a:rPr lang="es-ES" sz="1600" dirty="0"/>
+              <a:rPr lang="es-ES" dirty="0"/>
               <a:t> </a:t>
             </a:r>
             <a:r>
-              <a:rPr lang="es-ES" sz="1600" dirty="0" err="1"/>
+              <a:rPr lang="es-ES" dirty="0" err="1"/>
               <a:t>Lab</a:t>
             </a:r>
-            <a:endParaRPr lang="es-ES" sz="1600" dirty="0"/>
+            <a:endParaRPr lang="es-ES" dirty="0"/>
           </a:p>
           <a:p>
             <a:pPr marL="800100" lvl="1" indent="-342900">
@@ -3980,10 +3980,10 @@
               <a:buChar char="•"/>
             </a:pPr>
             <a:r>
-              <a:rPr lang="es-ES" sz="1600" dirty="0" err="1"/>
+              <a:rPr lang="es-ES" dirty="0" err="1"/>
               <a:t>Markdown</a:t>
             </a:r>
-            <a:endParaRPr lang="es-ES" sz="1600" dirty="0"/>
+            <a:endParaRPr lang="es-ES" dirty="0"/>
           </a:p>
           <a:p>
             <a:pPr marL="800100" lvl="1" indent="-342900">
@@ -3991,15 +3991,15 @@
               <a:buChar char="•"/>
             </a:pPr>
             <a:r>
-              <a:rPr lang="es-ES" sz="1600" dirty="0"/>
+              <a:rPr lang="es-ES" dirty="0"/>
               <a:t>Python </a:t>
             </a:r>
             <a:r>
-              <a:rPr lang="es-ES" sz="1600" dirty="0" err="1"/>
+              <a:rPr lang="es-ES" dirty="0" err="1"/>
               <a:t>Basics</a:t>
             </a:r>
             <a:r>
-              <a:rPr lang="es-ES" sz="1600" dirty="0"/>
+              <a:rPr lang="es-ES" dirty="0"/>
               <a:t> I</a:t>
             </a:r>
           </a:p>
@@ -4009,19 +4009,19 @@
               <a:buChar char="•"/>
             </a:pPr>
             <a:r>
-              <a:rPr lang="es-ES" sz="1600" dirty="0" err="1"/>
+              <a:rPr lang="es-ES" dirty="0" err="1"/>
               <a:t>Pyton</a:t>
             </a:r>
             <a:r>
-              <a:rPr lang="es-ES" sz="1600" dirty="0"/>
+              <a:rPr lang="es-ES" dirty="0"/>
               <a:t> </a:t>
             </a:r>
             <a:r>
-              <a:rPr lang="es-ES" sz="1600" dirty="0" err="1"/>
+              <a:rPr lang="es-ES" dirty="0" err="1"/>
               <a:t>Basics</a:t>
             </a:r>
             <a:r>
-              <a:rPr lang="es-ES" sz="1600" dirty="0"/>
+              <a:rPr lang="es-ES" dirty="0"/>
               <a:t> II</a:t>
             </a:r>
           </a:p>
@@ -4031,7 +4031,7 @@
               <a:buChar char="•"/>
             </a:pPr>
             <a:r>
-              <a:rPr lang="es-ES" sz="1600" dirty="0"/>
+              <a:rPr lang="es-ES" dirty="0"/>
               <a:t>Flujos de control</a:t>
             </a:r>
           </a:p>
@@ -4041,7 +4041,7 @@
               <a:buAutoNum type="arabicPeriod"/>
             </a:pPr>
             <a:r>
-              <a:rPr lang="es-ES" sz="1600" dirty="0"/>
+              <a:rPr lang="es-ES" dirty="0"/>
               <a:t>Semana 2</a:t>
             </a:r>
           </a:p>
@@ -4051,7 +4051,7 @@
               <a:buChar char="•"/>
             </a:pPr>
             <a:r>
-              <a:rPr lang="es-ES" sz="1600" dirty="0"/>
+              <a:rPr lang="es-ES" dirty="0"/>
               <a:t>Colecciones</a:t>
             </a:r>
           </a:p>
@@ -4061,8 +4061,18 @@
               <a:buChar char="•"/>
             </a:pPr>
             <a:r>
-              <a:rPr lang="es-ES" sz="1600" dirty="0"/>
-              <a:t>Funciones</a:t>
+              <a:rPr lang="es-ES" dirty="0"/>
+              <a:t>Ejercicios de repaso</a:t>
+            </a:r>
+          </a:p>
+          <a:p>
+            <a:pPr marL="342900" indent="-342900">
+              <a:buFont typeface="+mj-lt"/>
+              <a:buAutoNum type="arabicPeriod"/>
+            </a:pPr>
+            <a:r>
+              <a:rPr lang="es-ES" dirty="0"/>
+              <a:t>Semana 3</a:t>
             </a:r>
           </a:p>
           <a:p>
@@ -4071,8 +4081,18 @@
               <a:buChar char="•"/>
             </a:pPr>
             <a:r>
-              <a:rPr lang="es-ES" sz="1600" dirty="0"/>
-              <a:t>Ejercicios de repaso</a:t>
+              <a:rPr lang="es-ES" dirty="0"/>
+              <a:t>Programación orientada a objetos</a:t>
+            </a:r>
+          </a:p>
+          <a:p>
+            <a:pPr marL="800100" lvl="1" indent="-342900">
+              <a:buFont typeface="Arial" panose="020B0604020202020204" pitchFamily="34" charset="0"/>
+              <a:buChar char="•"/>
+            </a:pPr>
+            <a:r>
+              <a:rPr lang="es-ES" dirty="0"/>
+              <a:t>Funciones</a:t>
             </a:r>
           </a:p>
           <a:p>
@@ -4081,8 +4101,8 @@
               <a:buAutoNum type="arabicPeriod"/>
             </a:pPr>
             <a:r>
-              <a:rPr lang="es-ES" sz="1600" dirty="0"/>
-              <a:t>Semana 3</a:t>
+              <a:rPr lang="es-ES" dirty="0"/>
+              <a:t>Semana 4</a:t>
             </a:r>
           </a:p>
           <a:p>
@@ -4091,8 +4111,8 @@
               <a:buChar char="•"/>
             </a:pPr>
             <a:r>
-              <a:rPr lang="es-ES" sz="1600" dirty="0"/>
-              <a:t>Programación orientada a objetos</a:t>
+              <a:rPr lang="es-ES" dirty="0"/>
+              <a:t>Módulos</a:t>
             </a:r>
           </a:p>
           <a:p>
@@ -4101,9 +4121,14 @@
               <a:buChar char="•"/>
             </a:pPr>
             <a:r>
-              <a:rPr lang="es-ES" sz="1600" dirty="0"/>
-              <a:t>Módulos</a:t>
-            </a:r>
+              <a:rPr lang="es-ES" dirty="0"/>
+              <a:t>VS </a:t>
+            </a:r>
+            <a:r>
+              <a:rPr lang="es-ES" dirty="0" err="1"/>
+              <a:t>Code</a:t>
+            </a:r>
+            <a:endParaRPr lang="es-ES" dirty="0"/>
           </a:p>
           <a:p>
             <a:pPr marL="800100" lvl="1" indent="-342900">
@@ -4111,8 +4136,47 @@
               <a:buChar char="•"/>
             </a:pPr>
             <a:r>
-              <a:rPr lang="es-ES" sz="1600" dirty="0"/>
-              <a:t>Input/output</a:t>
+              <a:rPr lang="es-ES" dirty="0"/>
+              <a:t>SQL</a:t>
+            </a:r>
+          </a:p>
+        </p:txBody>
+      </p:sp>
+      <p:sp>
+        <p:nvSpPr>
+          <p:cNvPr id="7" name="CuadroTexto 6">
+            <a:extLst>
+              <a:ext uri="{FF2B5EF4-FFF2-40B4-BE49-F238E27FC236}">
+                <a16:creationId xmlns:a16="http://schemas.microsoft.com/office/drawing/2014/main" id="{6726B8F1-8833-450A-B5EC-A748928B4BDF}"/>
+              </a:ext>
+            </a:extLst>
+          </p:cNvPr>
+          <p:cNvSpPr txBox="1"/>
+          <p:nvPr/>
+        </p:nvSpPr>
+        <p:spPr>
+          <a:xfrm>
+            <a:off x="7224816" y="655781"/>
+            <a:ext cx="4488252" cy="3416320"/>
+          </a:xfrm>
+          <a:prstGeom prst="rect">
+            <a:avLst/>
+          </a:prstGeom>
+          <a:noFill/>
+        </p:spPr>
+        <p:txBody>
+          <a:bodyPr wrap="square" rtlCol="0">
+            <a:spAutoFit/>
+          </a:bodyPr>
+          <a:lstStyle/>
+          <a:p>
+            <a:pPr marL="342900" indent="-342900">
+              <a:buFont typeface="+mj-lt"/>
+              <a:buAutoNum type="arabicPeriod"/>
+            </a:pPr>
+            <a:r>
+              <a:rPr lang="es-ES" dirty="0"/>
+              <a:t>Semana 5</a:t>
             </a:r>
           </a:p>
           <a:p>
@@ -4121,8 +4185,37 @@
               <a:buChar char="•"/>
             </a:pPr>
             <a:r>
-              <a:rPr lang="es-ES" sz="1600" dirty="0"/>
-              <a:t>Spyder</a:t>
+              <a:rPr lang="es-ES" dirty="0">
+                <a:solidFill>
+                  <a:schemeClr val="accent4">
+                    <a:lumMod val="60000"/>
+                    <a:lumOff val="40000"/>
+                  </a:schemeClr>
+                </a:solidFill>
+              </a:rPr>
+              <a:t>Repaso </a:t>
+            </a:r>
+            <a:r>
+              <a:rPr lang="es-ES" dirty="0" err="1">
+                <a:solidFill>
+                  <a:schemeClr val="accent4">
+                    <a:lumMod val="60000"/>
+                    <a:lumOff val="40000"/>
+                  </a:schemeClr>
+                </a:solidFill>
+              </a:rPr>
+              <a:t>Ramp</a:t>
+            </a:r>
+            <a:r>
+              <a:rPr lang="es-ES" dirty="0">
+                <a:solidFill>
+                  <a:schemeClr val="accent4">
+                    <a:lumMod val="60000"/>
+                    <a:lumOff val="40000"/>
+                  </a:schemeClr>
+                </a:solidFill>
+              </a:rPr>
+              <a:t> up</a:t>
             </a:r>
           </a:p>
           <a:p>
@@ -4131,8 +4224,46 @@
               <a:buChar char="•"/>
             </a:pPr>
             <a:r>
-              <a:rPr lang="es-ES" sz="1600" dirty="0"/>
-              <a:t>SQL</a:t>
+              <a:rPr lang="es-ES" dirty="0">
+                <a:solidFill>
+                  <a:schemeClr val="accent4">
+                    <a:lumMod val="60000"/>
+                    <a:lumOff val="40000"/>
+                  </a:schemeClr>
+                </a:solidFill>
+              </a:rPr>
+              <a:t>Programación funcional</a:t>
+            </a:r>
+          </a:p>
+          <a:p>
+            <a:pPr marL="800100" lvl="1" indent="-342900">
+              <a:buFont typeface="Arial" panose="020B0604020202020204" pitchFamily="34" charset="0"/>
+              <a:buChar char="•"/>
+            </a:pPr>
+            <a:r>
+              <a:rPr lang="es-ES" dirty="0" err="1"/>
+              <a:t>Numpy</a:t>
+            </a:r>
+            <a:r>
+              <a:rPr lang="es-ES" dirty="0"/>
+              <a:t> y matrices</a:t>
+            </a:r>
+          </a:p>
+          <a:p>
+            <a:pPr marL="800100" lvl="1" indent="-342900">
+              <a:buFont typeface="Arial" panose="020B0604020202020204" pitchFamily="34" charset="0"/>
+              <a:buChar char="•"/>
+            </a:pPr>
+            <a:r>
+              <a:rPr lang="es-ES" dirty="0">
+                <a:solidFill>
+                  <a:schemeClr val="accent4">
+                    <a:lumMod val="60000"/>
+                    <a:lumOff val="40000"/>
+                  </a:schemeClr>
+                </a:solidFill>
+              </a:rPr>
+              <a:t>Estadística</a:t>
             </a:r>
           </a:p>
           <a:p>
@@ -4141,8 +4272,8 @@
               <a:buAutoNum type="arabicPeriod"/>
             </a:pPr>
             <a:r>
-              <a:rPr lang="es-ES" sz="1600" dirty="0"/>
-              <a:t>Semana 4</a:t>
+              <a:rPr lang="es-ES" dirty="0"/>
+              <a:t>Semana 6</a:t>
             </a:r>
           </a:p>
           <a:p>
@@ -4151,8 +4282,8 @@
               <a:buChar char="•"/>
             </a:pPr>
             <a:r>
-              <a:rPr lang="es-ES" sz="1600" dirty="0"/>
-              <a:t>Programación funcional</a:t>
+              <a:rPr lang="es-ES" dirty="0"/>
+              <a:t>Pandas</a:t>
             </a:r>
           </a:p>
           <a:p>
@@ -4161,8 +4292,8 @@
               <a:buChar char="•"/>
             </a:pPr>
             <a:r>
-              <a:rPr lang="es-ES" sz="1600" dirty="0"/>
-              <a:t>Probabilidad</a:t>
+              <a:rPr lang="es-ES" dirty="0"/>
+              <a:t>Lectura y escritura</a:t>
             </a:r>
           </a:p>
           <a:p>
@@ -4171,8 +4302,18 @@
               <a:buChar char="•"/>
             </a:pPr>
             <a:r>
-              <a:rPr lang="es-ES" sz="1600" dirty="0"/>
-              <a:t>Algebra</a:t>
+              <a:rPr lang="es-ES" dirty="0"/>
+              <a:t>Probabilidad</a:t>
+            </a:r>
+          </a:p>
+          <a:p>
+            <a:pPr marL="342900" indent="-342900">
+              <a:buFont typeface="+mj-lt"/>
+              <a:buAutoNum type="arabicPeriod"/>
+            </a:pPr>
+            <a:r>
+              <a:rPr lang="es-ES" dirty="0"/>
+              <a:t>Semana 7</a:t>
             </a:r>
           </a:p>
           <a:p>
@@ -4181,9 +4322,33 @@
               <a:buChar char="•"/>
             </a:pPr>
             <a:r>
-              <a:rPr lang="es-ES" sz="1600" dirty="0"/>
-              <a:t>Repaso</a:t>
-            </a:r>
+              <a:rPr lang="es-ES" dirty="0"/>
+              <a:t>Tratamiento de </a:t>
+            </a:r>
+            <a:r>
+              <a:rPr lang="es-ES" dirty="0" err="1"/>
+              <a:t>missings</a:t>
+            </a:r>
+            <a:endParaRPr lang="es-ES" dirty="0"/>
+          </a:p>
+          <a:p>
+            <a:pPr marL="800100" lvl="1" indent="-342900">
+              <a:buFont typeface="Arial" panose="020B0604020202020204" pitchFamily="34" charset="0"/>
+              <a:buChar char="•"/>
+            </a:pPr>
+            <a:r>
+              <a:rPr lang="es-ES" dirty="0" err="1"/>
+              <a:t>Matplotlib</a:t>
+            </a:r>
+            <a:r>
+              <a:rPr lang="es-ES" dirty="0"/>
+              <a:t> y </a:t>
+            </a:r>
+            <a:r>
+              <a:rPr lang="es-ES" dirty="0" err="1"/>
+              <a:t>seaborn</a:t>
+            </a:r>
+            <a:endParaRPr lang="es-ES" dirty="0"/>
           </a:p>
         </p:txBody>
       </p:sp>
